--- a/background/background.pptx
+++ b/background/background.pptx
@@ -261,7 +261,7 @@
           <a:p>
             <a:fld id="{B525F6E2-0E6C-4A94-8BBC-987618715F12}" type="datetimeFigureOut">
               <a:rPr lang="es-AR" smtClean="0"/>
-              <a:t>15/5/2024</a:t>
+              <a:t>18/5/2024</a:t>
             </a:fld>
             <a:endParaRPr lang="es-AR"/>
           </a:p>
@@ -461,7 +461,7 @@
           <a:p>
             <a:fld id="{B525F6E2-0E6C-4A94-8BBC-987618715F12}" type="datetimeFigureOut">
               <a:rPr lang="es-AR" smtClean="0"/>
-              <a:t>15/5/2024</a:t>
+              <a:t>18/5/2024</a:t>
             </a:fld>
             <a:endParaRPr lang="es-AR"/>
           </a:p>
@@ -671,7 +671,7 @@
           <a:p>
             <a:fld id="{B525F6E2-0E6C-4A94-8BBC-987618715F12}" type="datetimeFigureOut">
               <a:rPr lang="es-AR" smtClean="0"/>
-              <a:t>15/5/2024</a:t>
+              <a:t>18/5/2024</a:t>
             </a:fld>
             <a:endParaRPr lang="es-AR"/>
           </a:p>
@@ -871,7 +871,7 @@
           <a:p>
             <a:fld id="{B525F6E2-0E6C-4A94-8BBC-987618715F12}" type="datetimeFigureOut">
               <a:rPr lang="es-AR" smtClean="0"/>
-              <a:t>15/5/2024</a:t>
+              <a:t>18/5/2024</a:t>
             </a:fld>
             <a:endParaRPr lang="es-AR"/>
           </a:p>
@@ -1147,7 +1147,7 @@
           <a:p>
             <a:fld id="{B525F6E2-0E6C-4A94-8BBC-987618715F12}" type="datetimeFigureOut">
               <a:rPr lang="es-AR" smtClean="0"/>
-              <a:t>15/5/2024</a:t>
+              <a:t>18/5/2024</a:t>
             </a:fld>
             <a:endParaRPr lang="es-AR"/>
           </a:p>
@@ -1415,7 +1415,7 @@
           <a:p>
             <a:fld id="{B525F6E2-0E6C-4A94-8BBC-987618715F12}" type="datetimeFigureOut">
               <a:rPr lang="es-AR" smtClean="0"/>
-              <a:t>15/5/2024</a:t>
+              <a:t>18/5/2024</a:t>
             </a:fld>
             <a:endParaRPr lang="es-AR"/>
           </a:p>
@@ -1830,7 +1830,7 @@
           <a:p>
             <a:fld id="{B525F6E2-0E6C-4A94-8BBC-987618715F12}" type="datetimeFigureOut">
               <a:rPr lang="es-AR" smtClean="0"/>
-              <a:t>15/5/2024</a:t>
+              <a:t>18/5/2024</a:t>
             </a:fld>
             <a:endParaRPr lang="es-AR"/>
           </a:p>
@@ -1972,7 +1972,7 @@
           <a:p>
             <a:fld id="{B525F6E2-0E6C-4A94-8BBC-987618715F12}" type="datetimeFigureOut">
               <a:rPr lang="es-AR" smtClean="0"/>
-              <a:t>15/5/2024</a:t>
+              <a:t>18/5/2024</a:t>
             </a:fld>
             <a:endParaRPr lang="es-AR"/>
           </a:p>
@@ -2085,7 +2085,7 @@
           <a:p>
             <a:fld id="{B525F6E2-0E6C-4A94-8BBC-987618715F12}" type="datetimeFigureOut">
               <a:rPr lang="es-AR" smtClean="0"/>
-              <a:t>15/5/2024</a:t>
+              <a:t>18/5/2024</a:t>
             </a:fld>
             <a:endParaRPr lang="es-AR"/>
           </a:p>
@@ -2398,7 +2398,7 @@
           <a:p>
             <a:fld id="{B525F6E2-0E6C-4A94-8BBC-987618715F12}" type="datetimeFigureOut">
               <a:rPr lang="es-AR" smtClean="0"/>
-              <a:t>15/5/2024</a:t>
+              <a:t>18/5/2024</a:t>
             </a:fld>
             <a:endParaRPr lang="es-AR"/>
           </a:p>
@@ -2687,7 +2687,7 @@
           <a:p>
             <a:fld id="{B525F6E2-0E6C-4A94-8BBC-987618715F12}" type="datetimeFigureOut">
               <a:rPr lang="es-AR" smtClean="0"/>
-              <a:t>15/5/2024</a:t>
+              <a:t>18/5/2024</a:t>
             </a:fld>
             <a:endParaRPr lang="es-AR"/>
           </a:p>
@@ -2930,7 +2930,7 @@
           <a:p>
             <a:fld id="{B525F6E2-0E6C-4A94-8BBC-987618715F12}" type="datetimeFigureOut">
               <a:rPr lang="es-AR" smtClean="0"/>
-              <a:t>15/5/2024</a:t>
+              <a:t>18/5/2024</a:t>
             </a:fld>
             <a:endParaRPr lang="es-AR"/>
           </a:p>
@@ -3349,10 +3349,10 @@
       </p:grpSpPr>
       <p:sp>
         <p:nvSpPr>
-          <p:cNvPr id="5" name="Rectángulo: esquinas redondeadas 4">
-            <a:extLst>
-              <a:ext uri="{FF2B5EF4-FFF2-40B4-BE49-F238E27FC236}">
-                <a16:creationId xmlns:a16="http://schemas.microsoft.com/office/drawing/2014/main" id="{937B88B4-5B21-25AD-113C-764EF629B23D}"/>
+          <p:cNvPr id="2" name="Rectángulo 1">
+            <a:extLst>
+              <a:ext uri="{FF2B5EF4-FFF2-40B4-BE49-F238E27FC236}">
+                <a16:creationId xmlns:a16="http://schemas.microsoft.com/office/drawing/2014/main" id="{BA59E232-F7D5-20BC-8A50-43AAEF7AA712}"/>
               </a:ext>
             </a:extLst>
           </p:cNvPr>
@@ -3361,41 +3361,20 @@
         </p:nvSpPr>
         <p:spPr>
           <a:xfrm>
-            <a:off x="0" y="677108"/>
-            <a:ext cx="12192000" cy="6180892"/>
+            <a:off x="-202164" y="-83976"/>
+            <a:ext cx="12596327" cy="7132476"/>
           </a:xfrm>
-          <a:prstGeom prst="roundRect">
-            <a:avLst>
-              <a:gd name="adj" fmla="val 0"/>
-            </a:avLst>
+          <a:prstGeom prst="rect">
+            <a:avLst/>
           </a:prstGeom>
-          <a:gradFill flip="none" rotWithShape="1">
-            <a:gsLst>
-              <a:gs pos="0">
-                <a:schemeClr val="accent1">
-                  <a:lumMod val="50000"/>
-                </a:schemeClr>
-              </a:gs>
-              <a:gs pos="93706">
-                <a:srgbClr val="47CFFF"/>
-              </a:gs>
-              <a:gs pos="53000">
-                <a:schemeClr val="accent5">
-                  <a:lumMod val="75000"/>
-                </a:schemeClr>
-              </a:gs>
-            </a:gsLst>
-            <a:lin ang="18900000" scaled="1"/>
-            <a:tileRect/>
-          </a:gradFill>
-          <a:ln>
-            <a:noFill/>
-          </a:ln>
+          <a:solidFill>
+            <a:srgbClr val="262626"/>
+          </a:solidFill>
         </p:spPr>
         <p:style>
           <a:lnRef idx="2">
             <a:schemeClr val="accent1">
-              <a:shade val="50000"/>
+              <a:shade val="15000"/>
             </a:schemeClr>
           </a:lnRef>
           <a:fillRef idx="1">
@@ -3412,51 +3391,11 @@
           <a:bodyPr rtlCol="0" anchor="ctr"/>
           <a:lstStyle/>
           <a:p>
-            <a:pPr lvl="1"/>
-            <a:r>
-              <a:rPr lang="es-MX" dirty="0"/>
-              <a:t> </a:t>
-            </a:r>
-            <a:endParaRPr lang="es-AR" dirty="0"/>
-          </a:p>
-        </p:txBody>
-      </p:sp>
-      <p:pic>
-        <p:nvPicPr>
-          <p:cNvPr id="7" name="Imagen 6">
-            <a:extLst>
-              <a:ext uri="{FF2B5EF4-FFF2-40B4-BE49-F238E27FC236}">
-                <a16:creationId xmlns:a16="http://schemas.microsoft.com/office/drawing/2014/main" id="{1FF54E76-852D-5FD1-162A-83D12904D805}"/>
-              </a:ext>
-            </a:extLst>
-          </p:cNvPr>
-          <p:cNvPicPr>
-            <a:picLocks noChangeAspect="1"/>
-          </p:cNvPicPr>
-          <p:nvPr/>
-        </p:nvPicPr>
-        <p:blipFill>
-          <a:blip r:embed="rId2">
-            <a:extLst>
-              <a:ext uri="{28A0092B-C50C-407E-A947-70E740481C1C}">
-                <a14:useLocalDpi xmlns:a14="http://schemas.microsoft.com/office/drawing/2010/main" val="0"/>
-              </a:ext>
-            </a:extLst>
-          </a:blip>
-          <a:stretch>
-            <a:fillRect/>
-          </a:stretch>
-        </p:blipFill>
-        <p:spPr>
-          <a:xfrm>
-            <a:off x="0" y="0"/>
-            <a:ext cx="12192000" cy="6858000"/>
-          </a:xfrm>
-          <a:prstGeom prst="rect">
-            <a:avLst/>
-          </a:prstGeom>
-        </p:spPr>
-      </p:pic>
+            <a:pPr algn="ctr"/>
+            <a:endParaRPr lang="es-AR"/>
+          </a:p>
+        </p:txBody>
+      </p:sp>
       <p:sp>
         <p:nvSpPr>
           <p:cNvPr id="8" name="Rectángulo: esquinas redondeadas 7">
@@ -3472,7 +3411,7 @@
         <p:spPr>
           <a:xfrm>
             <a:off x="125575" y="508130"/>
-            <a:ext cx="11940850" cy="6540370"/>
+            <a:ext cx="11940850" cy="7506866"/>
           </a:xfrm>
           <a:prstGeom prst="roundRect">
             <a:avLst>
@@ -3480,9 +3419,10 @@
             </a:avLst>
           </a:prstGeom>
           <a:solidFill>
-            <a:srgbClr val="002C54">
-              <a:alpha val="90000"/>
-            </a:srgbClr>
+            <a:schemeClr val="accent5">
+              <a:lumMod val="20000"/>
+              <a:lumOff val="80000"/>
+            </a:schemeClr>
           </a:solidFill>
           <a:effectLst>
             <a:softEdge rad="12700"/>

--- a/background/background.pptx
+++ b/background/background.pptx
@@ -261,7 +261,7 @@
           <a:p>
             <a:fld id="{B525F6E2-0E6C-4A94-8BBC-987618715F12}" type="datetimeFigureOut">
               <a:rPr lang="es-AR" smtClean="0"/>
-              <a:t>18/5/2024</a:t>
+              <a:t>20/5/2024</a:t>
             </a:fld>
             <a:endParaRPr lang="es-AR"/>
           </a:p>
@@ -461,7 +461,7 @@
           <a:p>
             <a:fld id="{B525F6E2-0E6C-4A94-8BBC-987618715F12}" type="datetimeFigureOut">
               <a:rPr lang="es-AR" smtClean="0"/>
-              <a:t>18/5/2024</a:t>
+              <a:t>20/5/2024</a:t>
             </a:fld>
             <a:endParaRPr lang="es-AR"/>
           </a:p>
@@ -671,7 +671,7 @@
           <a:p>
             <a:fld id="{B525F6E2-0E6C-4A94-8BBC-987618715F12}" type="datetimeFigureOut">
               <a:rPr lang="es-AR" smtClean="0"/>
-              <a:t>18/5/2024</a:t>
+              <a:t>20/5/2024</a:t>
             </a:fld>
             <a:endParaRPr lang="es-AR"/>
           </a:p>
@@ -871,7 +871,7 @@
           <a:p>
             <a:fld id="{B525F6E2-0E6C-4A94-8BBC-987618715F12}" type="datetimeFigureOut">
               <a:rPr lang="es-AR" smtClean="0"/>
-              <a:t>18/5/2024</a:t>
+              <a:t>20/5/2024</a:t>
             </a:fld>
             <a:endParaRPr lang="es-AR"/>
           </a:p>
@@ -1147,7 +1147,7 @@
           <a:p>
             <a:fld id="{B525F6E2-0E6C-4A94-8BBC-987618715F12}" type="datetimeFigureOut">
               <a:rPr lang="es-AR" smtClean="0"/>
-              <a:t>18/5/2024</a:t>
+              <a:t>20/5/2024</a:t>
             </a:fld>
             <a:endParaRPr lang="es-AR"/>
           </a:p>
@@ -1415,7 +1415,7 @@
           <a:p>
             <a:fld id="{B525F6E2-0E6C-4A94-8BBC-987618715F12}" type="datetimeFigureOut">
               <a:rPr lang="es-AR" smtClean="0"/>
-              <a:t>18/5/2024</a:t>
+              <a:t>20/5/2024</a:t>
             </a:fld>
             <a:endParaRPr lang="es-AR"/>
           </a:p>
@@ -1830,7 +1830,7 @@
           <a:p>
             <a:fld id="{B525F6E2-0E6C-4A94-8BBC-987618715F12}" type="datetimeFigureOut">
               <a:rPr lang="es-AR" smtClean="0"/>
-              <a:t>18/5/2024</a:t>
+              <a:t>20/5/2024</a:t>
             </a:fld>
             <a:endParaRPr lang="es-AR"/>
           </a:p>
@@ -1972,7 +1972,7 @@
           <a:p>
             <a:fld id="{B525F6E2-0E6C-4A94-8BBC-987618715F12}" type="datetimeFigureOut">
               <a:rPr lang="es-AR" smtClean="0"/>
-              <a:t>18/5/2024</a:t>
+              <a:t>20/5/2024</a:t>
             </a:fld>
             <a:endParaRPr lang="es-AR"/>
           </a:p>
@@ -2085,7 +2085,7 @@
           <a:p>
             <a:fld id="{B525F6E2-0E6C-4A94-8BBC-987618715F12}" type="datetimeFigureOut">
               <a:rPr lang="es-AR" smtClean="0"/>
-              <a:t>18/5/2024</a:t>
+              <a:t>20/5/2024</a:t>
             </a:fld>
             <a:endParaRPr lang="es-AR"/>
           </a:p>
@@ -2398,7 +2398,7 @@
           <a:p>
             <a:fld id="{B525F6E2-0E6C-4A94-8BBC-987618715F12}" type="datetimeFigureOut">
               <a:rPr lang="es-AR" smtClean="0"/>
-              <a:t>18/5/2024</a:t>
+              <a:t>20/5/2024</a:t>
             </a:fld>
             <a:endParaRPr lang="es-AR"/>
           </a:p>
@@ -2687,7 +2687,7 @@
           <a:p>
             <a:fld id="{B525F6E2-0E6C-4A94-8BBC-987618715F12}" type="datetimeFigureOut">
               <a:rPr lang="es-AR" smtClean="0"/>
-              <a:t>18/5/2024</a:t>
+              <a:t>20/5/2024</a:t>
             </a:fld>
             <a:endParaRPr lang="es-AR"/>
           </a:p>
@@ -2930,7 +2930,7 @@
           <a:p>
             <a:fld id="{B525F6E2-0E6C-4A94-8BBC-987618715F12}" type="datetimeFigureOut">
               <a:rPr lang="es-AR" smtClean="0"/>
-              <a:t>18/5/2024</a:t>
+              <a:t>20/5/2024</a:t>
             </a:fld>
             <a:endParaRPr lang="es-AR"/>
           </a:p>
@@ -3349,55 +3349,6 @@
       </p:grpSpPr>
       <p:sp>
         <p:nvSpPr>
-          <p:cNvPr id="2" name="Rectángulo 1">
-            <a:extLst>
-              <a:ext uri="{FF2B5EF4-FFF2-40B4-BE49-F238E27FC236}">
-                <a16:creationId xmlns:a16="http://schemas.microsoft.com/office/drawing/2014/main" id="{BA59E232-F7D5-20BC-8A50-43AAEF7AA712}"/>
-              </a:ext>
-            </a:extLst>
-          </p:cNvPr>
-          <p:cNvSpPr/>
-          <p:nvPr/>
-        </p:nvSpPr>
-        <p:spPr>
-          <a:xfrm>
-            <a:off x="-202164" y="-83976"/>
-            <a:ext cx="12596327" cy="7132476"/>
-          </a:xfrm>
-          <a:prstGeom prst="rect">
-            <a:avLst/>
-          </a:prstGeom>
-          <a:solidFill>
-            <a:srgbClr val="262626"/>
-          </a:solidFill>
-        </p:spPr>
-        <p:style>
-          <a:lnRef idx="2">
-            <a:schemeClr val="accent1">
-              <a:shade val="15000"/>
-            </a:schemeClr>
-          </a:lnRef>
-          <a:fillRef idx="1">
-            <a:schemeClr val="accent1"/>
-          </a:fillRef>
-          <a:effectRef idx="0">
-            <a:schemeClr val="accent1"/>
-          </a:effectRef>
-          <a:fontRef idx="minor">
-            <a:schemeClr val="lt1"/>
-          </a:fontRef>
-        </p:style>
-        <p:txBody>
-          <a:bodyPr rtlCol="0" anchor="ctr"/>
-          <a:lstStyle/>
-          <a:p>
-            <a:pPr algn="ctr"/>
-            <a:endParaRPr lang="es-AR"/>
-          </a:p>
-        </p:txBody>
-      </p:sp>
-      <p:sp>
-        <p:nvSpPr>
           <p:cNvPr id="8" name="Rectángulo: esquinas redondeadas 7">
             <a:extLst>
               <a:ext uri="{FF2B5EF4-FFF2-40B4-BE49-F238E27FC236}">
